--- a/describe/describe.pptx
+++ b/describe/describe.pptx
@@ -289,7 +289,7 @@
           <a:p>
             <a:fld id="{530820CF-B880-4189-942D-D702A7CBA730}" type="datetimeFigureOut">
               <a:rPr lang="zh-CN" altLang="en-US" smtClean="0"/>
-              <a:t>2021/12/16</a:t>
+              <a:t>2021/12/26</a:t>
             </a:fld>
             <a:endParaRPr lang="zh-CN" altLang="en-US"/>
           </a:p>
@@ -454,7 +454,7 @@
           <a:p>
             <a:fld id="{530820CF-B880-4189-942D-D702A7CBA730}" type="datetimeFigureOut">
               <a:rPr lang="zh-CN" altLang="en-US" smtClean="0"/>
-              <a:t>2021/12/16</a:t>
+              <a:t>2021/12/26</a:t>
             </a:fld>
             <a:endParaRPr lang="zh-CN" altLang="en-US"/>
           </a:p>
@@ -629,7 +629,7 @@
           <a:p>
             <a:fld id="{530820CF-B880-4189-942D-D702A7CBA730}" type="datetimeFigureOut">
               <a:rPr lang="zh-CN" altLang="en-US" smtClean="0"/>
-              <a:t>2021/12/16</a:t>
+              <a:t>2021/12/26</a:t>
             </a:fld>
             <a:endParaRPr lang="zh-CN" altLang="en-US"/>
           </a:p>
@@ -794,7 +794,7 @@
           <a:p>
             <a:fld id="{530820CF-B880-4189-942D-D702A7CBA730}" type="datetimeFigureOut">
               <a:rPr lang="zh-CN" altLang="en-US" smtClean="0"/>
-              <a:t>2021/12/16</a:t>
+              <a:t>2021/12/26</a:t>
             </a:fld>
             <a:endParaRPr lang="zh-CN" altLang="en-US"/>
           </a:p>
@@ -1035,7 +1035,7 @@
           <a:p>
             <a:fld id="{530820CF-B880-4189-942D-D702A7CBA730}" type="datetimeFigureOut">
               <a:rPr lang="zh-CN" altLang="en-US" smtClean="0"/>
-              <a:t>2021/12/16</a:t>
+              <a:t>2021/12/26</a:t>
             </a:fld>
             <a:endParaRPr lang="zh-CN" altLang="en-US"/>
           </a:p>
@@ -1318,7 +1318,7 @@
           <a:p>
             <a:fld id="{530820CF-B880-4189-942D-D702A7CBA730}" type="datetimeFigureOut">
               <a:rPr lang="zh-CN" altLang="en-US" smtClean="0"/>
-              <a:t>2021/12/16</a:t>
+              <a:t>2021/12/26</a:t>
             </a:fld>
             <a:endParaRPr lang="zh-CN" altLang="en-US"/>
           </a:p>
@@ -1735,7 +1735,7 @@
           <a:p>
             <a:fld id="{530820CF-B880-4189-942D-D702A7CBA730}" type="datetimeFigureOut">
               <a:rPr lang="zh-CN" altLang="en-US" smtClean="0"/>
-              <a:t>2021/12/16</a:t>
+              <a:t>2021/12/26</a:t>
             </a:fld>
             <a:endParaRPr lang="zh-CN" altLang="en-US"/>
           </a:p>
@@ -1848,7 +1848,7 @@
           <a:p>
             <a:fld id="{530820CF-B880-4189-942D-D702A7CBA730}" type="datetimeFigureOut">
               <a:rPr lang="zh-CN" altLang="en-US" smtClean="0"/>
-              <a:t>2021/12/16</a:t>
+              <a:t>2021/12/26</a:t>
             </a:fld>
             <a:endParaRPr lang="zh-CN" altLang="en-US"/>
           </a:p>
@@ -1938,7 +1938,7 @@
           <a:p>
             <a:fld id="{530820CF-B880-4189-942D-D702A7CBA730}" type="datetimeFigureOut">
               <a:rPr lang="zh-CN" altLang="en-US" smtClean="0"/>
-              <a:t>2021/12/16</a:t>
+              <a:t>2021/12/26</a:t>
             </a:fld>
             <a:endParaRPr lang="zh-CN" altLang="en-US"/>
           </a:p>
@@ -2210,7 +2210,7 @@
           <a:p>
             <a:fld id="{530820CF-B880-4189-942D-D702A7CBA730}" type="datetimeFigureOut">
               <a:rPr lang="zh-CN" altLang="en-US" smtClean="0"/>
-              <a:t>2021/12/16</a:t>
+              <a:t>2021/12/26</a:t>
             </a:fld>
             <a:endParaRPr lang="zh-CN" altLang="en-US"/>
           </a:p>
@@ -2458,7 +2458,7 @@
           <a:p>
             <a:fld id="{530820CF-B880-4189-942D-D702A7CBA730}" type="datetimeFigureOut">
               <a:rPr lang="zh-CN" altLang="en-US" smtClean="0"/>
-              <a:t>2021/12/16</a:t>
+              <a:t>2021/12/26</a:t>
             </a:fld>
             <a:endParaRPr lang="zh-CN" altLang="en-US"/>
           </a:p>
@@ -2666,7 +2666,7 @@
           <a:p>
             <a:fld id="{530820CF-B880-4189-942D-D702A7CBA730}" type="datetimeFigureOut">
               <a:rPr lang="zh-CN" altLang="en-US" smtClean="0"/>
-              <a:t>2021/12/16</a:t>
+              <a:t>2021/12/26</a:t>
             </a:fld>
             <a:endParaRPr lang="zh-CN" altLang="en-US"/>
           </a:p>
@@ -3038,7 +3038,7 @@
       </p:grpSpPr>
       <p:pic>
         <p:nvPicPr>
-          <p:cNvPr id="4" name="图片 3"/>
+          <p:cNvPr id="3" name="图片 2"/>
           <p:cNvPicPr>
             <a:picLocks noChangeAspect="1"/>
           </p:cNvPicPr>
@@ -3058,8 +3058,8 @@
         </p:blipFill>
         <p:spPr>
           <a:xfrm>
-            <a:off x="3403540" y="1920797"/>
-            <a:ext cx="2608620" cy="3367105"/>
+            <a:off x="3350216" y="1866020"/>
+            <a:ext cx="2971953" cy="4083260"/>
           </a:xfrm>
           <a:prstGeom prst="rect">
             <a:avLst/>
@@ -3142,15 +3142,15 @@
         </p:nvSpPr>
         <p:spPr>
           <a:xfrm>
-            <a:off x="2267744" y="2420888"/>
+            <a:off x="2339752" y="2636912"/>
             <a:ext cx="864096" cy="288032"/>
           </a:xfrm>
           <a:prstGeom prst="borderCallout1">
             <a:avLst>
               <a:gd name="adj1" fmla="val 44544"/>
               <a:gd name="adj2" fmla="val 98811"/>
-              <a:gd name="adj3" fmla="val 134326"/>
-              <a:gd name="adj4" fmla="val 158098"/>
+              <a:gd name="adj3" fmla="val 46141"/>
+              <a:gd name="adj4" fmla="val 159078"/>
             </a:avLst>
           </a:prstGeom>
           <a:noFill/>
@@ -3199,21 +3199,21 @@
       </p:sp>
       <p:sp>
         <p:nvSpPr>
-          <p:cNvPr id="9" name="线形标注 1 8"/>
+          <p:cNvPr id="12" name="线形标注 1 11"/>
           <p:cNvSpPr/>
           <p:nvPr/>
         </p:nvSpPr>
         <p:spPr>
           <a:xfrm>
-            <a:off x="2267744" y="3284984"/>
-            <a:ext cx="864096" cy="360040"/>
+            <a:off x="2195736" y="3479883"/>
+            <a:ext cx="1141553" cy="288032"/>
           </a:xfrm>
           <a:prstGeom prst="borderCallout1">
             <a:avLst>
               <a:gd name="adj1" fmla="val 44544"/>
               <a:gd name="adj2" fmla="val 98811"/>
-              <a:gd name="adj3" fmla="val 134326"/>
-              <a:gd name="adj4" fmla="val 158098"/>
+              <a:gd name="adj3" fmla="val 46142"/>
+              <a:gd name="adj4" fmla="val 124961"/>
             </a:avLst>
           </a:prstGeom>
           <a:noFill/>
@@ -3250,15 +3250,7 @@
                   <a:srgbClr val="FF0000"/>
                 </a:solidFill>
               </a:rPr>
-              <a:t>输入指标变量</a:t>
-            </a:r>
-            <a:r>
-              <a:rPr lang="zh-CN" altLang="en-US" sz="1200" dirty="0" smtClean="0">
-                <a:solidFill>
-                  <a:srgbClr val="FF0000"/>
-                </a:solidFill>
-              </a:rPr>
-              <a:t>列数</a:t>
+              <a:t>指标变量列数</a:t>
             </a:r>
             <a:endParaRPr lang="zh-CN" altLang="en-US" sz="1200" dirty="0">
               <a:solidFill>
@@ -3270,21 +3262,21 @@
       </p:sp>
       <p:sp>
         <p:nvSpPr>
-          <p:cNvPr id="10" name="线形标注 1 9"/>
+          <p:cNvPr id="13" name="线形标注 1 12"/>
           <p:cNvSpPr/>
           <p:nvPr/>
         </p:nvSpPr>
         <p:spPr>
           <a:xfrm>
-            <a:off x="2267744" y="4005064"/>
-            <a:ext cx="864096" cy="360040"/>
+            <a:off x="2195736" y="4041068"/>
+            <a:ext cx="1141553" cy="288032"/>
           </a:xfrm>
           <a:prstGeom prst="borderCallout1">
             <a:avLst>
               <a:gd name="adj1" fmla="val 44544"/>
               <a:gd name="adj2" fmla="val 98811"/>
-              <a:gd name="adj3" fmla="val 134326"/>
-              <a:gd name="adj4" fmla="val 158098"/>
+              <a:gd name="adj3" fmla="val 44671"/>
+              <a:gd name="adj4" fmla="val 126074"/>
             </a:avLst>
           </a:prstGeom>
           <a:noFill/>
@@ -3321,15 +3313,7 @@
                   <a:srgbClr val="FF0000"/>
                 </a:solidFill>
               </a:rPr>
-              <a:t>输入分组变量</a:t>
-            </a:r>
-            <a:r>
-              <a:rPr lang="zh-CN" altLang="en-US" sz="1200" dirty="0" smtClean="0">
-                <a:solidFill>
-                  <a:srgbClr val="FF0000"/>
-                </a:solidFill>
-              </a:rPr>
-              <a:t>列数</a:t>
+              <a:t>分组变量列数</a:t>
             </a:r>
             <a:endParaRPr lang="zh-CN" altLang="en-US" sz="1200" dirty="0">
               <a:solidFill>
@@ -3341,21 +3325,21 @@
       </p:sp>
       <p:sp>
         <p:nvSpPr>
-          <p:cNvPr id="11" name="线形标注 1 10"/>
+          <p:cNvPr id="14" name="线形标注 1 13"/>
           <p:cNvSpPr/>
           <p:nvPr/>
         </p:nvSpPr>
         <p:spPr>
           <a:xfrm>
-            <a:off x="2267744" y="4797152"/>
-            <a:ext cx="864096" cy="360040"/>
+            <a:off x="2201023" y="4437112"/>
+            <a:ext cx="1141553" cy="288032"/>
           </a:xfrm>
           <a:prstGeom prst="borderCallout1">
             <a:avLst>
               <a:gd name="adj1" fmla="val 44544"/>
               <a:gd name="adj2" fmla="val 98811"/>
-              <a:gd name="adj3" fmla="val 45435"/>
-              <a:gd name="adj4" fmla="val 151484"/>
+              <a:gd name="adj3" fmla="val 44671"/>
+              <a:gd name="adj4" fmla="val 126074"/>
             </a:avLst>
           </a:prstGeom>
           <a:noFill/>
@@ -3393,6 +3377,132 @@
                 </a:solidFill>
               </a:rPr>
               <a:t>点击查看结果</a:t>
+            </a:r>
+            <a:endParaRPr lang="zh-CN" altLang="en-US" sz="1200" dirty="0">
+              <a:solidFill>
+                <a:srgbClr val="FF0000"/>
+              </a:solidFill>
+            </a:endParaRPr>
+          </a:p>
+        </p:txBody>
+      </p:sp>
+      <p:sp>
+        <p:nvSpPr>
+          <p:cNvPr id="15" name="线形标注 1 14"/>
+          <p:cNvSpPr/>
+          <p:nvPr/>
+        </p:nvSpPr>
+        <p:spPr>
+          <a:xfrm>
+            <a:off x="2208663" y="4941168"/>
+            <a:ext cx="1141553" cy="288032"/>
+          </a:xfrm>
+          <a:prstGeom prst="borderCallout1">
+            <a:avLst>
+              <a:gd name="adj1" fmla="val 44544"/>
+              <a:gd name="adj2" fmla="val 98811"/>
+              <a:gd name="adj3" fmla="val 44671"/>
+              <a:gd name="adj4" fmla="val 126074"/>
+            </a:avLst>
+          </a:prstGeom>
+          <a:noFill/>
+          <a:ln>
+            <a:solidFill>
+              <a:srgbClr val="FF0000"/>
+            </a:solidFill>
+          </a:ln>
+        </p:spPr>
+        <p:style>
+          <a:lnRef idx="2">
+            <a:schemeClr val="accent1">
+              <a:shade val="50000"/>
+            </a:schemeClr>
+          </a:lnRef>
+          <a:fillRef idx="1">
+            <a:schemeClr val="accent1"/>
+          </a:fillRef>
+          <a:effectRef idx="0">
+            <a:schemeClr val="accent1"/>
+          </a:effectRef>
+          <a:fontRef idx="minor">
+            <a:schemeClr val="lt1"/>
+          </a:fontRef>
+        </p:style>
+        <p:txBody>
+          <a:bodyPr rtlCol="0" anchor="ctr"/>
+          <a:lstStyle/>
+          <a:p>
+            <a:pPr algn="ctr"/>
+            <a:r>
+              <a:rPr lang="zh-CN" altLang="en-US" sz="1200" dirty="0" smtClean="0">
+                <a:solidFill>
+                  <a:srgbClr val="FF0000"/>
+                </a:solidFill>
+              </a:rPr>
+              <a:t>下载结果</a:t>
+            </a:r>
+            <a:endParaRPr lang="zh-CN" altLang="en-US" sz="1200" dirty="0">
+              <a:solidFill>
+                <a:srgbClr val="FF0000"/>
+              </a:solidFill>
+            </a:endParaRPr>
+          </a:p>
+        </p:txBody>
+      </p:sp>
+      <p:sp>
+        <p:nvSpPr>
+          <p:cNvPr id="16" name="线形标注 1 15"/>
+          <p:cNvSpPr/>
+          <p:nvPr/>
+        </p:nvSpPr>
+        <p:spPr>
+          <a:xfrm>
+            <a:off x="2208663" y="5445224"/>
+            <a:ext cx="1141553" cy="288032"/>
+          </a:xfrm>
+          <a:prstGeom prst="borderCallout1">
+            <a:avLst>
+              <a:gd name="adj1" fmla="val 44544"/>
+              <a:gd name="adj2" fmla="val 98811"/>
+              <a:gd name="adj3" fmla="val 44671"/>
+              <a:gd name="adj4" fmla="val 126074"/>
+            </a:avLst>
+          </a:prstGeom>
+          <a:noFill/>
+          <a:ln>
+            <a:solidFill>
+              <a:srgbClr val="FF0000"/>
+            </a:solidFill>
+          </a:ln>
+        </p:spPr>
+        <p:style>
+          <a:lnRef idx="2">
+            <a:schemeClr val="accent1">
+              <a:shade val="50000"/>
+            </a:schemeClr>
+          </a:lnRef>
+          <a:fillRef idx="1">
+            <a:schemeClr val="accent1"/>
+          </a:fillRef>
+          <a:effectRef idx="0">
+            <a:schemeClr val="accent1"/>
+          </a:effectRef>
+          <a:fontRef idx="minor">
+            <a:schemeClr val="lt1"/>
+          </a:fontRef>
+        </p:style>
+        <p:txBody>
+          <a:bodyPr rtlCol="0" anchor="ctr"/>
+          <a:lstStyle/>
+          <a:p>
+            <a:pPr algn="ctr"/>
+            <a:r>
+              <a:rPr lang="zh-CN" altLang="en-US" sz="1200" dirty="0" smtClean="0">
+                <a:solidFill>
+                  <a:srgbClr val="FF0000"/>
+                </a:solidFill>
+              </a:rPr>
+              <a:t>下载图片</a:t>
             </a:r>
             <a:endParaRPr lang="zh-CN" altLang="en-US" sz="1200" dirty="0">
               <a:solidFill>
@@ -3434,9 +3544,9 @@
       </p:grpSpPr>
       <p:pic>
         <p:nvPicPr>
-          <p:cNvPr id="1026" name="Picture 2"/>
+          <p:cNvPr id="2" name="图片 1"/>
           <p:cNvPicPr>
-            <a:picLocks noChangeAspect="1" noChangeArrowheads="1"/>
+            <a:picLocks noChangeAspect="1"/>
           </p:cNvPicPr>
           <p:nvPr/>
         </p:nvPicPr>
@@ -3448,61 +3558,105 @@
               </a:ext>
             </a:extLst>
           </a:blip>
-          <a:srcRect/>
           <a:stretch>
             <a:fillRect/>
           </a:stretch>
         </p:blipFill>
-        <p:spPr bwMode="auto">
+        <p:spPr>
           <a:xfrm>
-            <a:off x="3275857" y="1768166"/>
-            <a:ext cx="3193648" cy="3749065"/>
+            <a:off x="3419872" y="1801663"/>
+            <a:ext cx="2902099" cy="3543482"/>
+          </a:xfrm>
+          <a:prstGeom prst="rect">
+            <a:avLst/>
+          </a:prstGeom>
+        </p:spPr>
+      </p:pic>
+      <p:sp>
+        <p:nvSpPr>
+          <p:cNvPr id="7" name="TextBox 6"/>
+          <p:cNvSpPr txBox="1"/>
+          <p:nvPr/>
+        </p:nvSpPr>
+        <p:spPr>
+          <a:xfrm>
+            <a:off x="3131840" y="1052736"/>
+            <a:ext cx="1872208" cy="369332"/>
           </a:xfrm>
           <a:prstGeom prst="rect">
             <a:avLst/>
           </a:prstGeom>
           <a:noFill/>
-          <a:ln>
-            <a:noFill/>
-          </a:ln>
-          <a:extLst>
-            <a:ext uri="{909E8E84-426E-40DD-AFC4-6F175D3DCCD1}">
-              <a14:hiddenFill xmlns:a14="http://schemas.microsoft.com/office/drawing/2010/main">
+        </p:spPr>
+        <p:txBody>
+          <a:bodyPr wrap="square" rtlCol="0">
+            <a:spAutoFit/>
+          </a:bodyPr>
+          <a:lstStyle/>
+          <a:p>
+            <a:r>
+              <a:rPr lang="zh-CN" altLang="en-US" b="1" dirty="0" smtClean="0">
                 <a:solidFill>
-                  <a:schemeClr val="accent1"/>
+                  <a:srgbClr val="FF0000"/>
                 </a:solidFill>
-              </a14:hiddenFill>
-            </a:ext>
-            <a:ext uri="{91240B29-F687-4F45-9708-019B960494DF}">
-              <a14:hiddenLine xmlns:a14="http://schemas.microsoft.com/office/drawing/2010/main" w="9525">
-                <a:solidFill>
-                  <a:schemeClr val="tx1"/>
-                </a:solidFill>
-                <a:miter lim="800000"/>
-                <a:headEnd/>
-                <a:tailEnd/>
-              </a14:hiddenLine>
-            </a:ext>
-          </a:extLst>
+              </a:rPr>
+              <a:t>界面介绍</a:t>
+            </a:r>
+            <a:endParaRPr lang="zh-CN" altLang="en-US" b="1" dirty="0">
+              <a:solidFill>
+                <a:srgbClr val="FF0000"/>
+              </a:solidFill>
+            </a:endParaRPr>
+          </a:p>
+        </p:txBody>
+      </p:sp>
+      <p:sp>
+        <p:nvSpPr>
+          <p:cNvPr id="8" name="TextBox 7"/>
+          <p:cNvSpPr txBox="1"/>
+          <p:nvPr/>
+        </p:nvSpPr>
+        <p:spPr>
+          <a:xfrm>
+            <a:off x="3419872" y="1537047"/>
+            <a:ext cx="2016224" cy="307777"/>
+          </a:xfrm>
+          <a:prstGeom prst="rect">
+            <a:avLst/>
+          </a:prstGeom>
+          <a:noFill/>
         </p:spPr>
-      </p:pic>
-      <p:sp>
-        <p:nvSpPr>
-          <p:cNvPr id="3" name="线形标注 1 2"/>
+        <p:txBody>
+          <a:bodyPr wrap="square" rtlCol="0">
+            <a:spAutoFit/>
+          </a:bodyPr>
+          <a:lstStyle/>
+          <a:p>
+            <a:r>
+              <a:rPr lang="zh-CN" altLang="en-US" sz="1400" b="1" dirty="0" smtClean="0"/>
+              <a:t>分类变量描述性分析</a:t>
+            </a:r>
+            <a:endParaRPr lang="zh-CN" altLang="en-US" sz="1400" b="1" dirty="0"/>
+          </a:p>
+        </p:txBody>
+      </p:sp>
+      <p:sp>
+        <p:nvSpPr>
+          <p:cNvPr id="10" name="线形标注 1 9"/>
           <p:cNvSpPr/>
           <p:nvPr/>
         </p:nvSpPr>
         <p:spPr>
           <a:xfrm>
-            <a:off x="2267744" y="2420888"/>
+            <a:off x="2339752" y="2636912"/>
             <a:ext cx="864096" cy="288032"/>
           </a:xfrm>
           <a:prstGeom prst="borderCallout1">
             <a:avLst>
               <a:gd name="adj1" fmla="val 44544"/>
               <a:gd name="adj2" fmla="val 98811"/>
-              <a:gd name="adj3" fmla="val 134326"/>
-              <a:gd name="adj4" fmla="val 158098"/>
+              <a:gd name="adj3" fmla="val 46141"/>
+              <a:gd name="adj4" fmla="val 159078"/>
             </a:avLst>
           </a:prstGeom>
           <a:noFill/>
@@ -3551,21 +3705,21 @@
       </p:sp>
       <p:sp>
         <p:nvSpPr>
-          <p:cNvPr id="4" name="线形标注 1 3"/>
+          <p:cNvPr id="11" name="线形标注 1 10"/>
           <p:cNvSpPr/>
           <p:nvPr/>
         </p:nvSpPr>
         <p:spPr>
           <a:xfrm>
-            <a:off x="2267744" y="3429000"/>
-            <a:ext cx="864096" cy="360040"/>
+            <a:off x="2297006" y="3429000"/>
+            <a:ext cx="1141553" cy="288032"/>
           </a:xfrm>
           <a:prstGeom prst="borderCallout1">
             <a:avLst>
               <a:gd name="adj1" fmla="val 44544"/>
               <a:gd name="adj2" fmla="val 98811"/>
-              <a:gd name="adj3" fmla="val 134326"/>
-              <a:gd name="adj4" fmla="val 158098"/>
+              <a:gd name="adj3" fmla="val 46142"/>
+              <a:gd name="adj4" fmla="val 124961"/>
             </a:avLst>
           </a:prstGeom>
           <a:noFill/>
@@ -3602,15 +3756,7 @@
                   <a:srgbClr val="FF0000"/>
                 </a:solidFill>
               </a:rPr>
-              <a:t>输入指标变量</a:t>
-            </a:r>
-            <a:r>
-              <a:rPr lang="zh-CN" altLang="en-US" sz="1200" dirty="0" smtClean="0">
-                <a:solidFill>
-                  <a:srgbClr val="FF0000"/>
-                </a:solidFill>
-              </a:rPr>
-              <a:t>列数</a:t>
+              <a:t>指标变量列数</a:t>
             </a:r>
             <a:endParaRPr lang="zh-CN" altLang="en-US" sz="1200" dirty="0">
               <a:solidFill>
@@ -3622,21 +3768,21 @@
       </p:sp>
       <p:sp>
         <p:nvSpPr>
-          <p:cNvPr id="5" name="线形标注 1 4"/>
+          <p:cNvPr id="12" name="线形标注 1 11"/>
           <p:cNvSpPr/>
           <p:nvPr/>
         </p:nvSpPr>
         <p:spPr>
           <a:xfrm>
-            <a:off x="2267744" y="4149080"/>
-            <a:ext cx="864096" cy="360040"/>
+            <a:off x="2297007" y="4005064"/>
+            <a:ext cx="1141553" cy="288032"/>
           </a:xfrm>
           <a:prstGeom prst="borderCallout1">
             <a:avLst>
               <a:gd name="adj1" fmla="val 44544"/>
               <a:gd name="adj2" fmla="val 98811"/>
-              <a:gd name="adj3" fmla="val 134326"/>
-              <a:gd name="adj4" fmla="val 158098"/>
+              <a:gd name="adj3" fmla="val 46142"/>
+              <a:gd name="adj4" fmla="val 124961"/>
             </a:avLst>
           </a:prstGeom>
           <a:noFill/>
@@ -3668,20 +3814,12 @@
           <a:p>
             <a:pPr algn="ctr"/>
             <a:r>
-              <a:rPr lang="zh-CN" altLang="en-US" sz="1200" smtClean="0">
-                <a:solidFill>
-                  <a:srgbClr val="FF0000"/>
-                </a:solidFill>
-              </a:rPr>
-              <a:t>输入分组变量</a:t>
-            </a:r>
-            <a:r>
               <a:rPr lang="zh-CN" altLang="en-US" sz="1200" dirty="0" smtClean="0">
                 <a:solidFill>
                   <a:srgbClr val="FF0000"/>
                 </a:solidFill>
               </a:rPr>
-              <a:t>列数</a:t>
+              <a:t>分组变量列数</a:t>
             </a:r>
             <a:endParaRPr lang="zh-CN" altLang="en-US" sz="1200" dirty="0">
               <a:solidFill>
@@ -3693,21 +3831,21 @@
       </p:sp>
       <p:sp>
         <p:nvSpPr>
-          <p:cNvPr id="6" name="线形标注 1 5"/>
+          <p:cNvPr id="13" name="线形标注 1 12"/>
           <p:cNvSpPr/>
           <p:nvPr/>
         </p:nvSpPr>
         <p:spPr>
           <a:xfrm>
-            <a:off x="2267744" y="4869160"/>
-            <a:ext cx="864096" cy="360040"/>
+            <a:off x="2297007" y="4365104"/>
+            <a:ext cx="1141553" cy="288032"/>
           </a:xfrm>
           <a:prstGeom prst="borderCallout1">
             <a:avLst>
               <a:gd name="adj1" fmla="val 44544"/>
               <a:gd name="adj2" fmla="val 98811"/>
-              <a:gd name="adj3" fmla="val 45435"/>
-              <a:gd name="adj4" fmla="val 151484"/>
+              <a:gd name="adj3" fmla="val 46142"/>
+              <a:gd name="adj4" fmla="val 124961"/>
             </a:avLst>
           </a:prstGeom>
           <a:noFill/>
@@ -3756,69 +3894,64 @@
       </p:sp>
       <p:sp>
         <p:nvSpPr>
-          <p:cNvPr id="7" name="TextBox 6"/>
-          <p:cNvSpPr txBox="1"/>
+          <p:cNvPr id="14" name="线形标注 1 13"/>
+          <p:cNvSpPr/>
           <p:nvPr/>
         </p:nvSpPr>
         <p:spPr>
           <a:xfrm>
-            <a:off x="3131840" y="1052736"/>
-            <a:ext cx="1872208" cy="369332"/>
+            <a:off x="2297007" y="4869160"/>
+            <a:ext cx="1141553" cy="288032"/>
           </a:xfrm>
-          <a:prstGeom prst="rect">
-            <a:avLst/>
+          <a:prstGeom prst="borderCallout1">
+            <a:avLst>
+              <a:gd name="adj1" fmla="val 44544"/>
+              <a:gd name="adj2" fmla="val 98811"/>
+              <a:gd name="adj3" fmla="val 46142"/>
+              <a:gd name="adj4" fmla="val 124961"/>
+            </a:avLst>
           </a:prstGeom>
           <a:noFill/>
+          <a:ln>
+            <a:solidFill>
+              <a:srgbClr val="FF0000"/>
+            </a:solidFill>
+          </a:ln>
         </p:spPr>
-        <p:txBody>
-          <a:bodyPr wrap="square" rtlCol="0">
-            <a:spAutoFit/>
-          </a:bodyPr>
-          <a:lstStyle/>
-          <a:p>
-            <a:r>
-              <a:rPr lang="zh-CN" altLang="en-US" b="1" dirty="0" smtClean="0">
+        <p:style>
+          <a:lnRef idx="2">
+            <a:schemeClr val="accent1">
+              <a:shade val="50000"/>
+            </a:schemeClr>
+          </a:lnRef>
+          <a:fillRef idx="1">
+            <a:schemeClr val="accent1"/>
+          </a:fillRef>
+          <a:effectRef idx="0">
+            <a:schemeClr val="accent1"/>
+          </a:effectRef>
+          <a:fontRef idx="minor">
+            <a:schemeClr val="lt1"/>
+          </a:fontRef>
+        </p:style>
+        <p:txBody>
+          <a:bodyPr rtlCol="0" anchor="ctr"/>
+          <a:lstStyle/>
+          <a:p>
+            <a:pPr algn="ctr"/>
+            <a:r>
+              <a:rPr lang="zh-CN" altLang="en-US" sz="1200" dirty="0" smtClean="0">
                 <a:solidFill>
                   <a:srgbClr val="FF0000"/>
                 </a:solidFill>
               </a:rPr>
-              <a:t>界面介绍</a:t>
-            </a:r>
-            <a:endParaRPr lang="zh-CN" altLang="en-US" b="1" dirty="0">
+              <a:t>下载结果</a:t>
+            </a:r>
+            <a:endParaRPr lang="zh-CN" altLang="en-US" sz="1200" dirty="0">
               <a:solidFill>
                 <a:srgbClr val="FF0000"/>
               </a:solidFill>
             </a:endParaRPr>
-          </a:p>
-        </p:txBody>
-      </p:sp>
-      <p:sp>
-        <p:nvSpPr>
-          <p:cNvPr id="8" name="TextBox 7"/>
-          <p:cNvSpPr txBox="1"/>
-          <p:nvPr/>
-        </p:nvSpPr>
-        <p:spPr>
-          <a:xfrm>
-            <a:off x="3419872" y="1491614"/>
-            <a:ext cx="2016224" cy="307777"/>
-          </a:xfrm>
-          <a:prstGeom prst="rect">
-            <a:avLst/>
-          </a:prstGeom>
-          <a:noFill/>
-        </p:spPr>
-        <p:txBody>
-          <a:bodyPr wrap="square" rtlCol="0">
-            <a:spAutoFit/>
-          </a:bodyPr>
-          <a:lstStyle/>
-          <a:p>
-            <a:r>
-              <a:rPr lang="zh-CN" altLang="en-US" sz="1400" b="1" dirty="0" smtClean="0"/>
-              <a:t>分类变量描述性分析</a:t>
-            </a:r>
-            <a:endParaRPr lang="zh-CN" altLang="en-US" sz="1400" b="1" dirty="0"/>
           </a:p>
         </p:txBody>
       </p:sp>
